--- a/CSE-6159-SSA/Tuition Management System.pptx
+++ b/CSE-6159-SSA/Tuition Management System.pptx
@@ -34,28 +34,28 @@
   <p:notesSz cx="6858000" cy="9144000"/>
   <p:embeddedFontLst>
     <p:embeddedFont>
-      <p:font typeface="Century Schoolbook" panose="02040604050505020304" pitchFamily="18" charset="0"/>
+      <p:font typeface="Tahoma" panose="020B0604030504040204" pitchFamily="34" charset="0"/>
       <p:regular r:id="rId22"/>
       <p:bold r:id="rId23"/>
-      <p:italic r:id="rId24"/>
-      <p:boldItalic r:id="rId25"/>
-    </p:embeddedFont>
-    <p:embeddedFont>
-      <p:font typeface="Tahoma" panose="020B0604030504040204" pitchFamily="34" charset="0"/>
-      <p:regular r:id="rId26"/>
-      <p:bold r:id="rId27"/>
     </p:embeddedFont>
     <p:embeddedFont>
       <p:font typeface="Algerian" panose="04020705040A02060702" pitchFamily="82" charset="0"/>
-      <p:regular r:id="rId28"/>
+      <p:regular r:id="rId24"/>
     </p:embeddedFont>
     <p:embeddedFont>
       <p:font typeface="Arial Black" panose="020B0A04020102020204" pitchFamily="34" charset="0"/>
-      <p:regular r:id="rId29"/>
-      <p:bold r:id="rId30"/>
+      <p:regular r:id="rId25"/>
+      <p:bold r:id="rId26"/>
     </p:embeddedFont>
     <p:embeddedFont>
       <p:font typeface="Roboto" panose="020B0604020202020204" charset="0"/>
+      <p:regular r:id="rId27"/>
+      <p:bold r:id="rId28"/>
+      <p:italic r:id="rId29"/>
+      <p:boldItalic r:id="rId30"/>
+    </p:embeddedFont>
+    <p:embeddedFont>
+      <p:font typeface="Century Schoolbook" panose="02040604050505020304" pitchFamily="18" charset="0"/>
       <p:regular r:id="rId31"/>
       <p:bold r:id="rId32"/>
       <p:italic r:id="rId33"/>
@@ -291,6 +291,11 @@
       </a:defRPr>
     </a:lvl9pPr>
   </p:defaultTextStyle>
+  <p:extLst>
+    <p:ext uri="{EFAFB233-063F-42B5-8137-9DF3F51BA10A}">
+      <p15:sldGuideLst xmlns:p15="http://schemas.microsoft.com/office/powerpoint/2012/main"/>
+    </p:ext>
+  </p:extLst>
 </p:presentation>
 </file>
 
@@ -20034,13 +20039,13 @@
           <p:nvPr>
             <p:extLst>
               <p:ext uri="{D42A27DB-BD31-4B8C-83A1-F6EECF244321}">
-                <p14:modId xmlns:p14="http://schemas.microsoft.com/office/powerpoint/2010/main" val="3157134107"/>
+                <p14:modId xmlns:p14="http://schemas.microsoft.com/office/powerpoint/2010/main" val="284315042"/>
               </p:ext>
             </p:extLst>
           </p:nvPr>
         </p:nvGraphicFramePr>
         <p:xfrm>
-          <a:off x="92267" y="156752"/>
+          <a:off x="-61546" y="210871"/>
           <a:ext cx="11161500" cy="6398675"/>
         </p:xfrm>
         <a:graphic>
@@ -20521,7 +20526,7 @@
                         <a:buNone/>
                       </a:pPr>
                       <a:r>
-                        <a:rPr lang="en-US" sz="1600" b="1" u="none" strike="noStrike" cap="none">
+                        <a:rPr lang="en-US" sz="1600" b="1" u="none" strike="noStrike" cap="none" dirty="0">
                           <a:solidFill>
                             <a:schemeClr val="lt1"/>
                           </a:solidFill>
@@ -20532,7 +20537,7 @@
                         </a:rPr>
                         <a:t>Blog</a:t>
                       </a:r>
-                      <a:endParaRPr sz="1600" b="1" u="none" strike="noStrike" cap="none">
+                      <a:endParaRPr sz="1600" b="1" u="none" strike="noStrike" cap="none" dirty="0">
                         <a:solidFill>
                           <a:schemeClr val="lt1"/>
                         </a:solidFill>
@@ -20846,10 +20851,10 @@
                         <a:buNone/>
                       </a:pPr>
                       <a:r>
-                        <a:rPr lang="en-US" sz="1800" u="none" strike="noStrike" cap="none"/>
+                        <a:rPr lang="en-US" sz="1800" u="none" strike="noStrike" cap="none" dirty="0" smtClean="0"/>
                         <a:t>✔</a:t>
                       </a:r>
-                      <a:endParaRPr sz="1800" u="none" strike="noStrike" cap="none"/>
+                      <a:endParaRPr sz="1800" u="none" strike="noStrike" cap="none" dirty="0"/>
                     </a:p>
                   </a:txBody>
                   <a:tcPr marL="91450" marR="91450" marT="45725" marB="45725" anchor="ctr"/>
@@ -23574,7 +23579,7 @@
         </p:nvSpPr>
         <p:spPr>
           <a:xfrm>
-            <a:off x="1981200" y="160768"/>
+            <a:off x="2141621" y="0"/>
             <a:ext cx="7772399" cy="769441"/>
           </a:xfrm>
           <a:prstGeom prst="rect">
@@ -23609,7 +23614,7 @@
               <a:buNone/>
             </a:pPr>
             <a:r>
-              <a:rPr lang="en-US" sz="4400" b="1" i="0" u="none" strike="noStrike" cap="none">
+              <a:rPr lang="en-US" sz="4400" b="1" i="0" u="none" strike="noStrike" cap="none" dirty="0">
                 <a:solidFill>
                   <a:srgbClr val="3F3F3F"/>
                 </a:solidFill>
@@ -23620,7 +23625,7 @@
               </a:rPr>
               <a:t>Expected Feature List</a:t>
             </a:r>
-            <a:endParaRPr sz="4400" b="0" i="0" u="none" strike="noStrike" cap="none">
+            <a:endParaRPr sz="4400" b="0" i="0" u="none" strike="noStrike" cap="none" dirty="0">
               <a:solidFill>
                 <a:srgbClr val="3F3F3F"/>
               </a:solidFill>
@@ -25096,7 +25101,7 @@
               <a:buNone/>
             </a:pPr>
             <a:r>
-              <a:rPr lang="en-US" sz="1600" b="1">
+              <a:rPr lang="en-US" sz="1600" b="1" dirty="0">
                 <a:solidFill>
                   <a:schemeClr val="dk1"/>
                 </a:solidFill>
@@ -25108,7 +25113,7 @@
               <a:t> </a:t>
             </a:r>
             <a:r>
-              <a:rPr lang="en-US" sz="1600" b="1">
+              <a:rPr lang="en-US" sz="1600" b="1" dirty="0">
                 <a:solidFill>
                   <a:schemeClr val="lt2"/>
                 </a:solidFill>
@@ -25119,7 +25124,7 @@
               </a:rPr>
               <a:t>Research paper Study</a:t>
             </a:r>
-            <a:endParaRPr sz="1600" b="1">
+            <a:endParaRPr sz="1600" b="1" dirty="0">
               <a:solidFill>
                 <a:schemeClr val="lt2"/>
               </a:solidFill>
@@ -25135,7 +25140,13 @@
         <p:nvGraphicFramePr>
           <p:cNvPr id="227" name="Google Shape;227;p29"/>
           <p:cNvGraphicFramePr/>
-          <p:nvPr/>
+          <p:nvPr>
+            <p:extLst>
+              <p:ext uri="{D42A27DB-BD31-4B8C-83A1-F6EECF244321}">
+                <p14:modId xmlns:p14="http://schemas.microsoft.com/office/powerpoint/2010/main" val="2005721166"/>
+              </p:ext>
+            </p:extLst>
+          </p:nvPr>
         </p:nvGraphicFramePr>
         <p:xfrm>
           <a:off x="166550" y="431100"/>
@@ -25194,7 +25205,7 @@
                         <a:buNone/>
                       </a:pPr>
                       <a:r>
-                        <a:rPr lang="en-US">
+                        <a:rPr lang="en-US" dirty="0">
                           <a:solidFill>
                             <a:schemeClr val="lt2"/>
                           </a:solidFill>
@@ -25202,10 +25213,10 @@
                         <a:t>Author</a:t>
                       </a:r>
                       <a:r>
-                        <a:rPr lang="en-US"/>
+                        <a:rPr lang="en-US" dirty="0"/>
                         <a:t> </a:t>
                       </a:r>
-                      <a:endParaRPr/>
+                      <a:endParaRPr dirty="0"/>
                     </a:p>
                   </a:txBody>
                   <a:tcPr marL="91425" marR="91425" marT="91425" marB="91425">
@@ -25264,14 +25275,14 @@
                         <a:buNone/>
                       </a:pPr>
                       <a:r>
-                        <a:rPr lang="en-US">
+                        <a:rPr lang="en-US" dirty="0">
                           <a:solidFill>
                             <a:srgbClr val="FEFEFE"/>
                           </a:solidFill>
                         </a:rPr>
                         <a:t>Contribution</a:t>
                       </a:r>
-                      <a:endParaRPr>
+                      <a:endParaRPr dirty="0">
                         <a:solidFill>
                           <a:srgbClr val="FEFEFE"/>
                         </a:solidFill>
@@ -25299,14 +25310,14 @@
                         <a:buNone/>
                       </a:pPr>
                       <a:r>
-                        <a:rPr lang="en-US">
+                        <a:rPr lang="en-US" dirty="0">
                           <a:solidFill>
                             <a:srgbClr val="FEFEFE"/>
                           </a:solidFill>
                         </a:rPr>
                         <a:t>Difference</a:t>
                       </a:r>
-                      <a:endParaRPr>
+                      <a:endParaRPr dirty="0">
                         <a:solidFill>
                           <a:srgbClr val="FEFEFE"/>
                         </a:solidFill>
@@ -25341,10 +25352,14 @@
                         <a:buNone/>
                       </a:pPr>
                       <a:r>
-                        <a:rPr lang="en-US"/>
-                        <a:t>Hutanu et al [1] </a:t>
+                        <a:rPr lang="en-US" dirty="0" err="1"/>
+                        <a:t>Hutanu</a:t>
                       </a:r>
-                      <a:endParaRPr/>
+                      <a:r>
+                        <a:rPr lang="en-US" dirty="0"/>
+                        <a:t> et al [1] </a:t>
+                      </a:r>
+                      <a:endParaRPr dirty="0"/>
                     </a:p>
                   </a:txBody>
                   <a:tcPr marL="91425" marR="91425" marT="91425" marB="91425">
@@ -25368,10 +25383,10 @@
                         <a:buNone/>
                       </a:pPr>
                       <a:r>
-                        <a:rPr lang="en-US"/>
+                        <a:rPr lang="en-US" dirty="0"/>
                         <a:t>2017 </a:t>
                       </a:r>
-                      <a:endParaRPr/>
+                      <a:endParaRPr dirty="0"/>
                     </a:p>
                   </a:txBody>
                   <a:tcPr marL="91425" marR="91425" marT="91425" marB="91425">
@@ -25395,10 +25410,18 @@
                         <a:buNone/>
                       </a:pPr>
                       <a:r>
-                        <a:rPr lang="en-US"/>
-                        <a:t>Proposed a cmL-plus platform to help both researchers, engineers and tutors to have a face-to face online interaction and easy learning experience over any mobile devices. </a:t>
+                        <a:rPr lang="en-US" dirty="0"/>
+                        <a:t>Proposed a </a:t>
                       </a:r>
-                      <a:endParaRPr/>
+                      <a:r>
+                        <a:rPr lang="en-US" dirty="0" err="1"/>
+                        <a:t>cmL</a:t>
+                      </a:r>
+                      <a:r>
+                        <a:rPr lang="en-US" dirty="0"/>
+                        <a:t>-plus platform to help both researchers, engineers and tutors to have a face-to face online interaction and easy learning experience over any mobile devices. </a:t>
+                      </a:r>
+                      <a:endParaRPr dirty="0"/>
                     </a:p>
                   </a:txBody>
                   <a:tcPr marL="91425" marR="91425" marT="91425" marB="91425">
@@ -25422,10 +25445,10 @@
                         <a:buNone/>
                       </a:pPr>
                       <a:r>
-                        <a:rPr lang="en-US"/>
+                        <a:rPr lang="en-US" dirty="0"/>
                         <a:t>Not for general students tutor searching </a:t>
                       </a:r>
-                      <a:endParaRPr/>
+                      <a:endParaRPr dirty="0"/>
                     </a:p>
                   </a:txBody>
                   <a:tcPr marL="91425" marR="91425" marT="91425" marB="91425">
@@ -25456,10 +25479,10 @@
                         <a:buNone/>
                       </a:pPr>
                       <a:r>
-                        <a:rPr lang="en-US"/>
+                        <a:rPr lang="en-US" dirty="0"/>
                         <a:t>Mohammad et al [2] </a:t>
                       </a:r>
-                      <a:endParaRPr/>
+                      <a:endParaRPr dirty="0"/>
                     </a:p>
                   </a:txBody>
                   <a:tcPr marL="91425" marR="91425" marT="91425" marB="91425">
@@ -25483,10 +25506,10 @@
                         <a:buNone/>
                       </a:pPr>
                       <a:r>
-                        <a:rPr lang="en-US"/>
+                        <a:rPr lang="en-US" dirty="0"/>
                         <a:t>2013 </a:t>
                       </a:r>
-                      <a:endParaRPr/>
+                      <a:endParaRPr dirty="0"/>
                     </a:p>
                   </a:txBody>
                   <a:tcPr marL="91425" marR="91425" marT="91425" marB="91425">
@@ -25510,10 +25533,10 @@
                         <a:buNone/>
                       </a:pPr>
                       <a:r>
-                        <a:rPr lang="en-US"/>
+                        <a:rPr lang="en-US" dirty="0"/>
                         <a:t>Proposed an e-learning process to focused on synchronous(e.g. using presentation, group formation, live interaction) and asynchronous(e.g. using CD-ROMs, downloading education materials) learning methods.</a:t>
                       </a:r>
-                      <a:endParaRPr/>
+                      <a:endParaRPr dirty="0"/>
                     </a:p>
                   </a:txBody>
                   <a:tcPr marL="91425" marR="91425" marT="91425" marB="91425">
@@ -25537,10 +25560,10 @@
                         <a:buNone/>
                       </a:pPr>
                       <a:r>
-                        <a:rPr lang="en-US"/>
+                        <a:rPr lang="en-US" dirty="0"/>
                         <a:t>Not a tutor or tuition searching platform</a:t>
                       </a:r>
-                      <a:endParaRPr/>
+                      <a:endParaRPr dirty="0"/>
                     </a:p>
                   </a:txBody>
                   <a:tcPr marL="91425" marR="91425" marT="91425" marB="91425">
@@ -25571,10 +25594,10 @@
                         <a:buNone/>
                       </a:pPr>
                       <a:r>
-                        <a:rPr lang="en-US"/>
+                        <a:rPr lang="en-US" dirty="0"/>
                         <a:t>Dan Lo and Larry Wang [3]</a:t>
                       </a:r>
-                      <a:endParaRPr/>
+                      <a:endParaRPr dirty="0"/>
                     </a:p>
                   </a:txBody>
                   <a:tcPr marL="91425" marR="91425" marT="91425" marB="91425">
@@ -25598,10 +25621,10 @@
                         <a:buNone/>
                       </a:pPr>
                       <a:r>
-                        <a:rPr lang="en-US"/>
+                        <a:rPr lang="en-US" dirty="0"/>
                         <a:t>2011</a:t>
                       </a:r>
-                      <a:endParaRPr/>
+                      <a:endParaRPr dirty="0"/>
                     </a:p>
                   </a:txBody>
                   <a:tcPr marL="91425" marR="91425" marT="91425" marB="91425">
@@ -25625,10 +25648,10 @@
                         <a:buNone/>
                       </a:pPr>
                       <a:r>
-                        <a:rPr lang="en-US"/>
+                        <a:rPr lang="en-US" dirty="0"/>
                         <a:t>Proposed an online tutoring system with instant responses. This study shows how online tutoring is effective and what is the best practice to achieve the goal. </a:t>
                       </a:r>
-                      <a:endParaRPr/>
+                      <a:endParaRPr dirty="0"/>
                     </a:p>
                   </a:txBody>
                   <a:tcPr marL="91425" marR="91425" marT="91425" marB="91425">
@@ -25652,10 +25675,10 @@
                         <a:buNone/>
                       </a:pPr>
                       <a:r>
-                        <a:rPr lang="en-US"/>
+                        <a:rPr lang="en-US" dirty="0"/>
                         <a:t>Only for professionals and online tutoring</a:t>
                       </a:r>
-                      <a:endParaRPr/>
+                      <a:endParaRPr dirty="0"/>
                     </a:p>
                   </a:txBody>
                   <a:tcPr marL="91425" marR="91425" marT="91425" marB="91425">
@@ -25686,10 +25709,14 @@
                         <a:buNone/>
                       </a:pPr>
                       <a:r>
-                        <a:rPr lang="en-US"/>
-                        <a:t>Govaerts et al [4] </a:t>
+                        <a:rPr lang="en-US" dirty="0" err="1"/>
+                        <a:t>Govaerts</a:t>
                       </a:r>
-                      <a:endParaRPr/>
+                      <a:r>
+                        <a:rPr lang="en-US" dirty="0"/>
+                        <a:t> et al [4] </a:t>
+                      </a:r>
+                      <a:endParaRPr dirty="0"/>
                     </a:p>
                   </a:txBody>
                   <a:tcPr marL="91425" marR="91425" marT="91425" marB="91425">
@@ -25713,10 +25740,10 @@
                         <a:buNone/>
                       </a:pPr>
                       <a:r>
-                        <a:rPr lang="en-US"/>
+                        <a:rPr lang="en-US" dirty="0"/>
                         <a:t>2014 </a:t>
                       </a:r>
-                      <a:endParaRPr/>
+                      <a:endParaRPr dirty="0"/>
                     </a:p>
                   </a:txBody>
                   <a:tcPr marL="91425" marR="91425" marT="91425" marB="91425">
@@ -25740,10 +25767,10 @@
                         <a:buNone/>
                       </a:pPr>
                       <a:r>
-                        <a:rPr lang="en-US"/>
+                        <a:rPr lang="en-US" dirty="0"/>
                         <a:t>Proposed an online tutoring platform Go-Lab to help new tutors to get help from experienced tutor and become an expert. </a:t>
                       </a:r>
-                      <a:endParaRPr/>
+                      <a:endParaRPr dirty="0"/>
                     </a:p>
                   </a:txBody>
                   <a:tcPr marL="91425" marR="91425" marT="91425" marB="91425">
@@ -25767,10 +25794,10 @@
                         <a:buNone/>
                       </a:pPr>
                       <a:r>
-                        <a:rPr lang="en-US"/>
+                        <a:rPr lang="en-US" dirty="0"/>
                         <a:t>Not designed for students </a:t>
                       </a:r>
-                      <a:endParaRPr/>
+                      <a:endParaRPr dirty="0"/>
                     </a:p>
                   </a:txBody>
                   <a:tcPr marL="91425" marR="91425" marT="91425" marB="91425">
@@ -25898,7 +25925,7 @@
         </p:nvSpPr>
         <p:spPr>
           <a:xfrm>
-            <a:off x="731256" y="547390"/>
+            <a:off x="537826" y="775990"/>
             <a:ext cx="10189500" cy="4478119"/>
           </a:xfrm>
           <a:prstGeom prst="rect">
